--- a/articles/Tachyon_2014-10-16-Strata.pptx
+++ b/articles/Tachyon_2014-10-16-Strata.pptx
@@ -265,7 +265,7 @@
       </p14:sectionLst>
     </p:ext>
     <p:ext uri="{EFAFB233-063F-42B5-8137-9DF3F51BA10A}">
-      <p15:sldGuideLst xmlns:p15="http://schemas.microsoft.com/office/powerpoint/2012/main" xmlns="">
+      <p15:sldGuideLst xmlns="" xmlns:p15="http://schemas.microsoft.com/office/powerpoint/2012/main">
         <p15:guide id="1" orient="horz" pos="2160">
           <p15:clr>
             <a:srgbClr val="A4A3A4"/>
@@ -285,7 +285,7 @@
 <file path=ppt/charts/chart1.xml><?xml version="1.0" encoding="utf-8"?>
 <c:chartSpace xmlns:c="http://schemas.openxmlformats.org/drawingml/2006/chart" xmlns:a="http://schemas.openxmlformats.org/drawingml/2006/main" xmlns:r="http://schemas.openxmlformats.org/officeDocument/2006/relationships">
   <c:date1904 val="0"/>
-  <c:lang val="zh-CN"/>
+  <c:lang val="en-US"/>
   <c:roundedCorners val="0"/>
   <mc:AlternateContent xmlns:mc="http://schemas.openxmlformats.org/markup-compatibility/2006">
     <mc:Choice xmlns:c14="http://schemas.microsoft.com/office/drawing/2007/8/2/chart" Requires="c14">
@@ -394,7 +394,7 @@
           <a:pPr>
             <a:defRPr b="1"/>
           </a:pPr>
-          <a:endParaRPr lang="zh-CN"/>
+          <a:endParaRPr lang="en-US"/>
         </a:p>
       </c:txPr>
     </c:legend>
@@ -409,7 +409,7 @@
       <a:pPr>
         <a:defRPr sz="1800"/>
       </a:pPr>
-      <a:endParaRPr lang="zh-CN"/>
+      <a:endParaRPr lang="en-US"/>
     </a:p>
   </c:txPr>
   <c:externalData r:id="rId1">
@@ -500,7 +500,7 @@
           <a:p>
             <a:fld id="{4B991E9B-1FEA-0C4D-B106-B36A8F469F3E}" type="datetime1">
               <a:rPr kumimoji="1" lang="en-US" altLang="zh-CN" smtClean="0"/>
-              <a:t>11/10/14</a:t>
+              <a:t>9/23/15</a:t>
             </a:fld>
             <a:endParaRPr kumimoji="1" lang="zh-CN" altLang="en-US"/>
           </a:p>
@@ -690,7 +690,7 @@
             </a:pPr>
             <a:fld id="{CD3D9CB7-01E6-9F4A-A5F0-4BC7AB9D718A}" type="datetime1">
               <a:rPr lang="en-US" altLang="zh-CN" smtClean="0"/>
-              <a:t>11/10/14</a:t>
+              <a:t>9/23/15</a:t>
             </a:fld>
             <a:endParaRPr lang="en-US"/>
           </a:p>
@@ -4041,7 +4041,7 @@
             </a:pPr>
             <a:fld id="{7E457CA6-EA26-0648-B094-17E35B10ED4F}" type="datetime1">
               <a:rPr lang="en-US" altLang="zh-CN" smtClean="0"/>
-              <a:t>11/10/14</a:t>
+              <a:t>9/23/15</a:t>
             </a:fld>
             <a:endParaRPr lang="en-US"/>
           </a:p>
@@ -4223,7 +4223,7 @@
             </a:pPr>
             <a:fld id="{CAFC70AC-1353-804B-8CBB-27DCA4FEDA82}" type="datetime1">
               <a:rPr lang="en-US" altLang="zh-CN" smtClean="0"/>
-              <a:t>11/10/14</a:t>
+              <a:t>9/23/15</a:t>
             </a:fld>
             <a:endParaRPr lang="en-US"/>
           </a:p>
@@ -4415,7 +4415,7 @@
             </a:pPr>
             <a:fld id="{DE7AA78C-C288-F940-BAAB-23DA30BCA839}" type="datetime1">
               <a:rPr lang="en-US" altLang="zh-CN" smtClean="0"/>
-              <a:t>11/10/14</a:t>
+              <a:t>9/23/15</a:t>
             </a:fld>
             <a:endParaRPr lang="en-US"/>
           </a:p>
@@ -4597,7 +4597,7 @@
             </a:pPr>
             <a:fld id="{B7C18A4B-95AB-3A4B-9DD1-C5AF269E6999}" type="datetime1">
               <a:rPr lang="en-US" altLang="zh-CN" smtClean="0"/>
-              <a:t>11/10/14</a:t>
+              <a:t>9/23/15</a:t>
             </a:fld>
             <a:endParaRPr lang="en-US"/>
           </a:p>
@@ -4855,7 +4855,7 @@
             </a:pPr>
             <a:fld id="{03630543-88CD-C348-B9F8-EDDC9A02E797}" type="datetime1">
               <a:rPr lang="en-US" altLang="zh-CN" smtClean="0"/>
-              <a:t>11/10/14</a:t>
+              <a:t>9/23/15</a:t>
             </a:fld>
             <a:endParaRPr lang="en-US"/>
           </a:p>
@@ -5155,7 +5155,7 @@
             </a:pPr>
             <a:fld id="{189ACAD8-C541-7146-A57C-E71DBDE9E2C4}" type="datetime1">
               <a:rPr lang="en-US" altLang="zh-CN" smtClean="0"/>
-              <a:t>11/10/14</a:t>
+              <a:t>9/23/15</a:t>
             </a:fld>
             <a:endParaRPr lang="en-US"/>
           </a:p>
@@ -5589,7 +5589,7 @@
             </a:pPr>
             <a:fld id="{082C4871-E188-2D40-AFAB-4F8D7987A97C}" type="datetime1">
               <a:rPr lang="en-US" altLang="zh-CN" smtClean="0"/>
-              <a:t>11/10/14</a:t>
+              <a:t>9/23/15</a:t>
             </a:fld>
             <a:endParaRPr lang="en-US"/>
           </a:p>
@@ -5719,7 +5719,7 @@
             </a:pPr>
             <a:fld id="{5120EC4C-A968-4145-9C19-4C85B6EC0E20}" type="datetime1">
               <a:rPr lang="en-US" altLang="zh-CN" smtClean="0"/>
-              <a:t>11/10/14</a:t>
+              <a:t>9/23/15</a:t>
             </a:fld>
             <a:endParaRPr lang="en-US"/>
           </a:p>
@@ -5826,7 +5826,7 @@
             </a:pPr>
             <a:fld id="{E478418B-13D1-D84C-A8D9-2E19972813BB}" type="datetime1">
               <a:rPr lang="en-US" altLang="zh-CN" smtClean="0"/>
-              <a:t>11/10/14</a:t>
+              <a:t>9/23/15</a:t>
             </a:fld>
             <a:endParaRPr lang="en-US"/>
           </a:p>
@@ -6115,7 +6115,7 @@
             </a:pPr>
             <a:fld id="{6BEFC8AB-092E-0047-8901-ADFC1DF45190}" type="datetime1">
               <a:rPr lang="en-US" altLang="zh-CN" smtClean="0"/>
-              <a:t>11/10/14</a:t>
+              <a:t>9/23/15</a:t>
             </a:fld>
             <a:endParaRPr lang="en-US"/>
           </a:p>
@@ -6380,7 +6380,7 @@
             </a:pPr>
             <a:fld id="{4C0BB250-8A4C-8045-948F-8BAF532EEADC}" type="datetime1">
               <a:rPr lang="en-US" altLang="zh-CN" smtClean="0"/>
-              <a:t>11/10/14</a:t>
+              <a:t>9/23/15</a:t>
             </a:fld>
             <a:endParaRPr lang="en-US"/>
           </a:p>
@@ -6605,7 +6605,7 @@
             </a:pPr>
             <a:fld id="{10E0A9AC-D248-434F-B69F-59ABE058F409}" type="datetime1">
               <a:rPr lang="en-US" altLang="zh-CN" smtClean="0"/>
-              <a:t>11/10/14</a:t>
+              <a:t>9/23/15</a:t>
             </a:fld>
             <a:endParaRPr lang="en-US"/>
           </a:p>
@@ -33831,11 +33831,7 @@
           <a:p>
             <a:r>
               <a:rPr kumimoji="1" lang="en-US" altLang="zh-CN" dirty="0" smtClean="0"/>
-              <a:t>Belief from </a:t>
-            </a:r>
-            <a:r>
-              <a:rPr kumimoji="1" lang="en-US" altLang="zh-CN" dirty="0" smtClean="0"/>
-              <a:t>Industry</a:t>
+              <a:t>Belief from Industry</a:t>
             </a:r>
             <a:endParaRPr kumimoji="1" lang="zh-CN" altLang="en-US" dirty="0"/>
           </a:p>

--- a/articles/Tachyon_2014-10-16-Strata.pptx
+++ b/articles/Tachyon_2014-10-16-Strata.pptx
@@ -265,7 +265,7 @@
       </p14:sectionLst>
     </p:ext>
     <p:ext uri="{EFAFB233-063F-42B5-8137-9DF3F51BA10A}">
-      <p15:sldGuideLst xmlns="" xmlns:p15="http://schemas.microsoft.com/office/powerpoint/2012/main">
+      <p15:sldGuideLst xmlns:p15="http://schemas.microsoft.com/office/powerpoint/2012/main" xmlns="">
         <p15:guide id="1" orient="horz" pos="2160">
           <p15:clr>
             <a:srgbClr val="A4A3A4"/>
@@ -500,7 +500,7 @@
           <a:p>
             <a:fld id="{4B991E9B-1FEA-0C4D-B106-B36A8F469F3E}" type="datetime1">
               <a:rPr kumimoji="1" lang="en-US" altLang="zh-CN" smtClean="0"/>
-              <a:t>9/23/15</a:t>
+              <a:t>10/5/15</a:t>
             </a:fld>
             <a:endParaRPr kumimoji="1" lang="zh-CN" altLang="en-US"/>
           </a:p>
@@ -690,7 +690,7 @@
             </a:pPr>
             <a:fld id="{CD3D9CB7-01E6-9F4A-A5F0-4BC7AB9D718A}" type="datetime1">
               <a:rPr lang="en-US" altLang="zh-CN" smtClean="0"/>
-              <a:t>9/23/15</a:t>
+              <a:t>10/5/15</a:t>
             </a:fld>
             <a:endParaRPr lang="en-US"/>
           </a:p>
@@ -4041,7 +4041,7 @@
             </a:pPr>
             <a:fld id="{7E457CA6-EA26-0648-B094-17E35B10ED4F}" type="datetime1">
               <a:rPr lang="en-US" altLang="zh-CN" smtClean="0"/>
-              <a:t>9/23/15</a:t>
+              <a:t>10/5/15</a:t>
             </a:fld>
             <a:endParaRPr lang="en-US"/>
           </a:p>
@@ -4223,7 +4223,7 @@
             </a:pPr>
             <a:fld id="{CAFC70AC-1353-804B-8CBB-27DCA4FEDA82}" type="datetime1">
               <a:rPr lang="en-US" altLang="zh-CN" smtClean="0"/>
-              <a:t>9/23/15</a:t>
+              <a:t>10/5/15</a:t>
             </a:fld>
             <a:endParaRPr lang="en-US"/>
           </a:p>
@@ -4415,7 +4415,7 @@
             </a:pPr>
             <a:fld id="{DE7AA78C-C288-F940-BAAB-23DA30BCA839}" type="datetime1">
               <a:rPr lang="en-US" altLang="zh-CN" smtClean="0"/>
-              <a:t>9/23/15</a:t>
+              <a:t>10/5/15</a:t>
             </a:fld>
             <a:endParaRPr lang="en-US"/>
           </a:p>
@@ -4597,7 +4597,7 @@
             </a:pPr>
             <a:fld id="{B7C18A4B-95AB-3A4B-9DD1-C5AF269E6999}" type="datetime1">
               <a:rPr lang="en-US" altLang="zh-CN" smtClean="0"/>
-              <a:t>9/23/15</a:t>
+              <a:t>10/5/15</a:t>
             </a:fld>
             <a:endParaRPr lang="en-US"/>
           </a:p>
@@ -4855,7 +4855,7 @@
             </a:pPr>
             <a:fld id="{03630543-88CD-C348-B9F8-EDDC9A02E797}" type="datetime1">
               <a:rPr lang="en-US" altLang="zh-CN" smtClean="0"/>
-              <a:t>9/23/15</a:t>
+              <a:t>10/5/15</a:t>
             </a:fld>
             <a:endParaRPr lang="en-US"/>
           </a:p>
@@ -5155,7 +5155,7 @@
             </a:pPr>
             <a:fld id="{189ACAD8-C541-7146-A57C-E71DBDE9E2C4}" type="datetime1">
               <a:rPr lang="en-US" altLang="zh-CN" smtClean="0"/>
-              <a:t>9/23/15</a:t>
+              <a:t>10/5/15</a:t>
             </a:fld>
             <a:endParaRPr lang="en-US"/>
           </a:p>
@@ -5589,7 +5589,7 @@
             </a:pPr>
             <a:fld id="{082C4871-E188-2D40-AFAB-4F8D7987A97C}" type="datetime1">
               <a:rPr lang="en-US" altLang="zh-CN" smtClean="0"/>
-              <a:t>9/23/15</a:t>
+              <a:t>10/5/15</a:t>
             </a:fld>
             <a:endParaRPr lang="en-US"/>
           </a:p>
@@ -5719,7 +5719,7 @@
             </a:pPr>
             <a:fld id="{5120EC4C-A968-4145-9C19-4C85B6EC0E20}" type="datetime1">
               <a:rPr lang="en-US" altLang="zh-CN" smtClean="0"/>
-              <a:t>9/23/15</a:t>
+              <a:t>10/5/15</a:t>
             </a:fld>
             <a:endParaRPr lang="en-US"/>
           </a:p>
@@ -5826,7 +5826,7 @@
             </a:pPr>
             <a:fld id="{E478418B-13D1-D84C-A8D9-2E19972813BB}" type="datetime1">
               <a:rPr lang="en-US" altLang="zh-CN" smtClean="0"/>
-              <a:t>9/23/15</a:t>
+              <a:t>10/5/15</a:t>
             </a:fld>
             <a:endParaRPr lang="en-US"/>
           </a:p>
@@ -6115,7 +6115,7 @@
             </a:pPr>
             <a:fld id="{6BEFC8AB-092E-0047-8901-ADFC1DF45190}" type="datetime1">
               <a:rPr lang="en-US" altLang="zh-CN" smtClean="0"/>
-              <a:t>9/23/15</a:t>
+              <a:t>10/5/15</a:t>
             </a:fld>
             <a:endParaRPr lang="en-US"/>
           </a:p>
@@ -6380,7 +6380,7 @@
             </a:pPr>
             <a:fld id="{4C0BB250-8A4C-8045-948F-8BAF532EEADC}" type="datetime1">
               <a:rPr lang="en-US" altLang="zh-CN" smtClean="0"/>
-              <a:t>9/23/15</a:t>
+              <a:t>10/5/15</a:t>
             </a:fld>
             <a:endParaRPr lang="en-US"/>
           </a:p>
@@ -6605,7 +6605,7 @@
             </a:pPr>
             <a:fld id="{10E0A9AC-D248-434F-B69F-59ABE058F409}" type="datetime1">
               <a:rPr lang="en-US" altLang="zh-CN" smtClean="0"/>
-              <a:t>9/23/15</a:t>
+              <a:t>10/5/15</a:t>
             </a:fld>
             <a:endParaRPr lang="en-US"/>
           </a:p>
@@ -15375,38 +15375,52 @@
           <a:p>
             <a:pPr algn="ctr"/>
             <a:r>
-              <a:rPr lang="en-US" sz="3000" dirty="0" smtClean="0">
-                <a:latin typeface="Cambria"/>
-                <a:cs typeface="Cambria"/>
+              <a:rPr lang="en-US" sz="3000" b="1" dirty="0" smtClean="0">
+                <a:latin typeface="Myriad Pro Cond"/>
+                <a:cs typeface="Myriad Pro Cond"/>
               </a:rPr>
               <a:t>Computation Frameworks</a:t>
             </a:r>
             <a:br>
-              <a:rPr lang="en-US" sz="3000" dirty="0" smtClean="0">
-                <a:latin typeface="Cambria"/>
-                <a:cs typeface="Cambria"/>
+              <a:rPr lang="en-US" sz="3000" b="1" dirty="0" smtClean="0">
+                <a:latin typeface="Myriad Pro Cond"/>
+                <a:cs typeface="Myriad Pro Cond"/>
               </a:rPr>
             </a:br>
             <a:r>
-              <a:rPr lang="en-US" sz="3000" dirty="0" smtClean="0">
-                <a:latin typeface="Cambria"/>
-                <a:cs typeface="Cambria"/>
+              <a:rPr lang="en-US" sz="3000" b="1" dirty="0" smtClean="0">
+                <a:latin typeface="Myriad Pro Cond"/>
+                <a:cs typeface="Myriad Pro Cond"/>
               </a:rPr>
               <a:t>(Spark, </a:t>
             </a:r>
             <a:r>
-              <a:rPr lang="en-US" sz="3000" dirty="0" err="1" smtClean="0">
-                <a:latin typeface="Cambria"/>
-                <a:cs typeface="Cambria"/>
+              <a:rPr lang="en-US" sz="3000" b="1" dirty="0" err="1" smtClean="0">
+                <a:latin typeface="Myriad Pro Cond"/>
+                <a:cs typeface="Myriad Pro Cond"/>
               </a:rPr>
               <a:t>MapReduce</a:t>
             </a:r>
             <a:r>
-              <a:rPr lang="en-US" sz="3000" dirty="0" smtClean="0">
-                <a:latin typeface="Cambria"/>
-                <a:cs typeface="Cambria"/>
-              </a:rPr>
-              <a:t>, Impala, H2O, …)</a:t>
+              <a:rPr lang="en-US" sz="3000" b="1" dirty="0" smtClean="0">
+                <a:latin typeface="Myriad Pro Cond"/>
+                <a:cs typeface="Myriad Pro Cond"/>
+              </a:rPr>
+              <a:t>, Impala</a:t>
+            </a:r>
+            <a:r>
+              <a:rPr lang="en-US" sz="3000" b="1" dirty="0" smtClean="0">
+                <a:latin typeface="Myriad Pro Cond"/>
+                <a:cs typeface="Myriad Pro Cond"/>
+              </a:rPr>
+              <a:t>, KIWI DAG, </a:t>
+            </a:r>
+            <a:r>
+              <a:rPr lang="en-US" sz="3000" b="1" dirty="0" smtClean="0">
+                <a:latin typeface="Myriad Pro Cond"/>
+                <a:cs typeface="Myriad Pro Cond"/>
+              </a:rPr>
+              <a:t>…)</a:t>
             </a:r>
           </a:p>
         </p:txBody>
@@ -15452,36 +15466,36 @@
           <a:p>
             <a:pPr algn="ctr"/>
             <a:r>
-              <a:rPr lang="en-US" sz="3000" dirty="0" smtClean="0">
-                <a:latin typeface="Cambria"/>
-                <a:cs typeface="Cambria"/>
+              <a:rPr lang="en-US" sz="3000" b="1" dirty="0" smtClean="0">
+                <a:latin typeface="Myriad Pro Cond"/>
+                <a:cs typeface="Myriad Pro Cond"/>
               </a:rPr>
               <a:t>Existing Storage Systems</a:t>
             </a:r>
             <a:br>
-              <a:rPr lang="en-US" sz="3000" dirty="0" smtClean="0">
-                <a:latin typeface="Cambria"/>
-                <a:cs typeface="Cambria"/>
+              <a:rPr lang="en-US" sz="3000" b="1" dirty="0" smtClean="0">
+                <a:latin typeface="Myriad Pro Cond"/>
+                <a:cs typeface="Myriad Pro Cond"/>
               </a:rPr>
             </a:br>
             <a:r>
-              <a:rPr lang="en-US" sz="3000" dirty="0" smtClean="0">
-                <a:latin typeface="Cambria"/>
-                <a:cs typeface="Cambria"/>
+              <a:rPr lang="en-US" sz="3000" b="1" dirty="0" smtClean="0">
+                <a:latin typeface="Myriad Pro Cond"/>
+                <a:cs typeface="Myriad Pro Cond"/>
               </a:rPr>
               <a:t>(HDFS, S3, </a:t>
             </a:r>
             <a:r>
-              <a:rPr lang="en-US" sz="3000" dirty="0" err="1" smtClean="0">
-                <a:latin typeface="Cambria"/>
-                <a:cs typeface="Cambria"/>
+              <a:rPr lang="en-US" sz="3000" b="1" dirty="0" err="1" smtClean="0">
+                <a:latin typeface="Myriad Pro Cond"/>
+                <a:cs typeface="Myriad Pro Cond"/>
               </a:rPr>
               <a:t>GlusterFS</a:t>
             </a:r>
             <a:r>
-              <a:rPr lang="en-US" sz="3000" dirty="0" smtClean="0">
-                <a:latin typeface="Cambria"/>
-                <a:cs typeface="Cambria"/>
+              <a:rPr lang="en-US" sz="3000" b="1" dirty="0" smtClean="0">
+                <a:latin typeface="Myriad Pro Cond"/>
+                <a:cs typeface="Myriad Pro Cond"/>
               </a:rPr>
               <a:t>, …)</a:t>
             </a:r>
@@ -15529,9 +15543,9 @@
           <a:p>
             <a:pPr algn="ctr"/>
             <a:r>
-              <a:rPr lang="en-US" sz="5000" dirty="0" smtClean="0">
-                <a:latin typeface="Cambria"/>
-                <a:cs typeface="Cambria"/>
+              <a:rPr lang="en-US" sz="5000" b="1" dirty="0" smtClean="0">
+                <a:latin typeface="Myriad Pro Cond"/>
+                <a:cs typeface="Myriad Pro Cond"/>
               </a:rPr>
               <a:t>Tachyon</a:t>
             </a:r>
